--- a/Module4/Module 4.pptx
+++ b/Module4/Module 4.pptx
@@ -273,7 +273,7 @@
             <a:fld id="{5E684183-F63B-429B-A8D4-73DE6625D228}" type="datetimeFigureOut">
               <a:rPr lang="en-US" smtClean="0"/>
               <a:pPr/>
-              <a:t>9/16/2022</a:t>
+              <a:t>9/20/2022</a:t>
             </a:fld>
             <a:endParaRPr lang="en-US"/>
           </a:p>
@@ -1124,7 +1124,7 @@
             <a:fld id="{2B638D4C-5CA7-43AB-9935-9FA57582368D}" type="datetime1">
               <a:rPr lang="en-US" smtClean="0"/>
               <a:pPr/>
-              <a:t>9/16/2022</a:t>
+              <a:t>9/20/2022</a:t>
             </a:fld>
             <a:endParaRPr lang="en-US"/>
           </a:p>
@@ -1997,7 +1997,7 @@
             <a:fld id="{786222AF-38C2-43AB-A7CB-2FCC33FA986D}" type="datetime1">
               <a:rPr lang="en-US" smtClean="0"/>
               <a:pPr/>
-              <a:t>9/16/2022</a:t>
+              <a:t>9/20/2022</a:t>
             </a:fld>
             <a:endParaRPr lang="en-US"/>
           </a:p>
@@ -2176,7 +2176,7 @@
             <a:fld id="{3FD75FB9-98E3-480F-9F66-43BD788B7ED1}" type="datetime1">
               <a:rPr lang="en-US" smtClean="0"/>
               <a:pPr/>
-              <a:t>9/16/2022</a:t>
+              <a:t>9/20/2022</a:t>
             </a:fld>
             <a:endParaRPr lang="en-US"/>
           </a:p>
@@ -2350,7 +2350,7 @@
             <a:fld id="{575F3701-36F3-4A68-B5C1-240C4EB6EC88}" type="datetime1">
               <a:rPr lang="en-US" smtClean="0"/>
               <a:pPr/>
-              <a:t>9/16/2022</a:t>
+              <a:t>9/20/2022</a:t>
             </a:fld>
             <a:endParaRPr lang="en-US"/>
           </a:p>
@@ -2559,7 +2559,7 @@
             <a:fld id="{5532E152-E3E8-4CDD-885B-73F5AAEA2CF9}" type="datetime1">
               <a:rPr lang="en-US" smtClean="0"/>
               <a:pPr/>
-              <a:t>9/16/2022</a:t>
+              <a:t>9/20/2022</a:t>
             </a:fld>
             <a:endParaRPr lang="en-US"/>
           </a:p>
@@ -3377,7 +3377,7 @@
             <a:fld id="{B5CEDF4A-AE48-4140-98D2-AB131868351C}" type="datetime1">
               <a:rPr lang="en-US" smtClean="0"/>
               <a:pPr/>
-              <a:t>9/16/2022</a:t>
+              <a:t>9/20/2022</a:t>
             </a:fld>
             <a:endParaRPr lang="en-US"/>
           </a:p>
@@ -3617,7 +3617,7 @@
             <a:fld id="{9396337B-237F-4817-AF59-0B39841E12F0}" type="datetime1">
               <a:rPr lang="en-US" smtClean="0"/>
               <a:pPr/>
-              <a:t>9/16/2022</a:t>
+              <a:t>9/20/2022</a:t>
             </a:fld>
             <a:endParaRPr lang="en-US"/>
           </a:p>
@@ -3944,7 +3944,7 @@
             <a:fld id="{9BC4F7E1-528E-4F8D-8379-57FE65B2A64C}" type="datetime1">
               <a:rPr lang="en-US" smtClean="0"/>
               <a:pPr/>
-              <a:t>9/16/2022</a:t>
+              <a:t>9/20/2022</a:t>
             </a:fld>
             <a:endParaRPr lang="en-US"/>
           </a:p>
@@ -4039,7 +4039,7 @@
             <a:fld id="{7C1EF07C-2FA2-4B29-8D32-45F9180B8CB4}" type="datetime1">
               <a:rPr lang="en-US" smtClean="0"/>
               <a:pPr/>
-              <a:t>9/16/2022</a:t>
+              <a:t>9/20/2022</a:t>
             </a:fld>
             <a:endParaRPr lang="en-US"/>
           </a:p>
@@ -4555,7 +4555,7 @@
             <a:fld id="{DEA2A67F-461C-4388-9024-6299C395E0BE}" type="datetime1">
               <a:rPr lang="en-US" smtClean="0"/>
               <a:pPr/>
-              <a:t>9/16/2022</a:t>
+              <a:t>9/20/2022</a:t>
             </a:fld>
             <a:endParaRPr lang="en-US"/>
           </a:p>
@@ -5070,7 +5070,7 @@
             <a:fld id="{128B7D37-2026-44A7-B82B-C97ACB3C7E83}" type="datetime1">
               <a:rPr lang="en-US" smtClean="0"/>
               <a:pPr/>
-              <a:t>9/16/2022</a:t>
+              <a:t>9/20/2022</a:t>
             </a:fld>
             <a:endParaRPr lang="en-US"/>
           </a:p>
@@ -5321,7 +5321,7 @@
             <a:fld id="{24A19150-C038-42D8-871B-2242FF05250E}" type="datetime1">
               <a:rPr lang="en-US" smtClean="0"/>
               <a:pPr/>
-              <a:t>9/16/2022</a:t>
+              <a:t>9/20/2022</a:t>
             </a:fld>
             <a:endParaRPr lang="en-US"/>
           </a:p>
@@ -12804,7 +12804,7 @@
             </a:r>
             <a:r>
               <a:rPr lang="en-US" dirty="0"/>
-              <a:t>(calories)</a:t>
+              <a:t>(sales)</a:t>
             </a:r>
           </a:p>
           <a:p>
@@ -15951,6 +15951,13 @@
   <p:transition>
     <p:wipe dir="d"/>
   </p:transition>
+  <p:timing>
+    <p:tnLst>
+      <p:par>
+        <p:cTn id="1" dur="indefinite" restart="never" nodeType="tmRoot"/>
+      </p:par>
+    </p:tnLst>
+  </p:timing>
 </p:sld>
 </file>
 
@@ -16246,6 +16253,13 @@
   <p:transition>
     <p:wipe dir="d"/>
   </p:transition>
+  <p:timing>
+    <p:tnLst>
+      <p:par>
+        <p:cTn id="1" dur="indefinite" restart="never" nodeType="tmRoot"/>
+      </p:par>
+    </p:tnLst>
+  </p:timing>
 </p:sld>
 </file>
 
@@ -16422,6 +16436,13 @@
   <p:transition>
     <p:wipe dir="d"/>
   </p:transition>
+  <p:timing>
+    <p:tnLst>
+      <p:par>
+        <p:cTn id="1" dur="indefinite" restart="never" nodeType="tmRoot"/>
+      </p:par>
+    </p:tnLst>
+  </p:timing>
 </p:sld>
 </file>
 
@@ -16639,6 +16660,13 @@
   <p:transition>
     <p:wipe dir="d"/>
   </p:transition>
+  <p:timing>
+    <p:tnLst>
+      <p:par>
+        <p:cTn id="1" dur="indefinite" restart="never" nodeType="tmRoot"/>
+      </p:par>
+    </p:tnLst>
+  </p:timing>
 </p:sld>
 </file>
 
@@ -16913,6 +16941,13 @@
   <p:transition>
     <p:wipe dir="d"/>
   </p:transition>
+  <p:timing>
+    <p:tnLst>
+      <p:par>
+        <p:cTn id="1" dur="indefinite" restart="never" nodeType="tmRoot"/>
+      </p:par>
+    </p:tnLst>
+  </p:timing>
 </p:sld>
 </file>
 
@@ -17129,6 +17164,13 @@
   <p:transition>
     <p:wipe dir="d"/>
   </p:transition>
+  <p:timing>
+    <p:tnLst>
+      <p:par>
+        <p:cTn id="1" dur="indefinite" restart="never" nodeType="tmRoot"/>
+      </p:par>
+    </p:tnLst>
+  </p:timing>
 </p:sld>
 </file>
 
@@ -17633,7 +17675,7 @@
         </p:blipFill>
         <p:spPr>
           <a:xfrm>
-            <a:off x="1219200" y="4114800"/>
+            <a:off x="1981200" y="4114800"/>
             <a:ext cx="3124471" cy="2339543"/>
           </a:xfrm>
           <a:prstGeom prst="rect">
@@ -17654,6 +17696,13 @@
   <p:transition>
     <p:wipe dir="d"/>
   </p:transition>
+  <p:timing>
+    <p:tnLst>
+      <p:par>
+        <p:cTn id="1" dur="indefinite" restart="never" nodeType="tmRoot"/>
+      </p:par>
+    </p:tnLst>
+  </p:timing>
 </p:sld>
 </file>
 
@@ -19919,6 +19968,13 @@
   <p:transition>
     <p:wipe dir="d"/>
   </p:transition>
+  <p:timing>
+    <p:tnLst>
+      <p:par>
+        <p:cTn id="1" dur="indefinite" restart="never" nodeType="tmRoot"/>
+      </p:par>
+    </p:tnLst>
+  </p:timing>
 </p:sld>
 </file>
 
@@ -20044,6 +20100,13 @@
   <p:transition>
     <p:wipe dir="d"/>
   </p:transition>
+  <p:timing>
+    <p:tnLst>
+      <p:par>
+        <p:cTn id="1" dur="indefinite" restart="never" nodeType="tmRoot"/>
+      </p:par>
+    </p:tnLst>
+  </p:timing>
 </p:sld>
 </file>
 
@@ -22247,6 +22310,13 @@
   <p:transition>
     <p:wipe dir="d"/>
   </p:transition>
+  <p:timing>
+    <p:tnLst>
+      <p:par>
+        <p:cTn id="1" dur="indefinite" restart="never" nodeType="tmRoot"/>
+      </p:par>
+    </p:tnLst>
+  </p:timing>
 </p:sld>
 </file>
 
@@ -22367,6 +22437,13 @@
   <p:transition>
     <p:wipe dir="d"/>
   </p:transition>
+  <p:timing>
+    <p:tnLst>
+      <p:par>
+        <p:cTn id="1" dur="indefinite" restart="never" nodeType="tmRoot"/>
+      </p:par>
+    </p:tnLst>
+  </p:timing>
 </p:sld>
 </file>
 
@@ -24553,6 +24630,13 @@
   <p:transition>
     <p:wipe dir="d"/>
   </p:transition>
+  <p:timing>
+    <p:tnLst>
+      <p:par>
+        <p:cTn id="1" dur="indefinite" restart="never" nodeType="tmRoot"/>
+      </p:par>
+    </p:tnLst>
+  </p:timing>
 </p:sld>
 </file>
 
@@ -24673,6 +24757,13 @@
   <p:transition>
     <p:wipe dir="d"/>
   </p:transition>
+  <p:timing>
+    <p:tnLst>
+      <p:par>
+        <p:cTn id="1" dur="indefinite" restart="never" nodeType="tmRoot"/>
+      </p:par>
+    </p:tnLst>
+  </p:timing>
 </p:sld>
 </file>
 
@@ -26780,6 +26871,13 @@
   <p:transition>
     <p:wipe dir="d"/>
   </p:transition>
+  <p:timing>
+    <p:tnLst>
+      <p:par>
+        <p:cTn id="1" dur="indefinite" restart="never" nodeType="tmRoot"/>
+      </p:par>
+    </p:tnLst>
+  </p:timing>
 </p:sld>
 </file>
 
@@ -27537,6 +27635,13 @@
   <p:transition>
     <p:wipe dir="d"/>
   </p:transition>
+  <p:timing>
+    <p:tnLst>
+      <p:par>
+        <p:cTn id="1" dur="indefinite" restart="never" nodeType="tmRoot"/>
+      </p:par>
+    </p:tnLst>
+  </p:timing>
 </p:sld>
 </file>
 
@@ -29392,6 +29497,13 @@
   <p:transition>
     <p:wipe dir="d"/>
   </p:transition>
+  <p:timing>
+    <p:tnLst>
+      <p:par>
+        <p:cTn id="1" dur="indefinite" restart="never" nodeType="tmRoot"/>
+      </p:par>
+    </p:tnLst>
+  </p:timing>
 </p:sld>
 </file>
 
@@ -29519,6 +29631,13 @@
   <p:transition>
     <p:wipe dir="d"/>
   </p:transition>
+  <p:timing>
+    <p:tnLst>
+      <p:par>
+        <p:cTn id="1" dur="indefinite" restart="never" nodeType="tmRoot"/>
+      </p:par>
+    </p:tnLst>
+  </p:timing>
 </p:sld>
 </file>
 
@@ -30709,6 +30828,13 @@
   <p:transition>
     <p:wipe dir="d"/>
   </p:transition>
+  <p:timing>
+    <p:tnLst>
+      <p:par>
+        <p:cTn id="1" dur="indefinite" restart="never" nodeType="tmRoot"/>
+      </p:par>
+    </p:tnLst>
+  </p:timing>
 </p:sld>
 </file>
 
@@ -31021,6 +31147,13 @@
   <p:transition>
     <p:wipe dir="d"/>
   </p:transition>
+  <p:timing>
+    <p:tnLst>
+      <p:par>
+        <p:cTn id="1" dur="indefinite" restart="never" nodeType="tmRoot"/>
+      </p:par>
+    </p:tnLst>
+  </p:timing>
 </p:sld>
 </file>
 
@@ -31134,6 +31267,13 @@
   <p:transition>
     <p:wipe dir="d"/>
   </p:transition>
+  <p:timing>
+    <p:tnLst>
+      <p:par>
+        <p:cTn id="1" dur="indefinite" restart="never" nodeType="tmRoot"/>
+      </p:par>
+    </p:tnLst>
+  </p:timing>
 </p:sld>
 </file>
 

--- a/Module4/Module 4.pptx
+++ b/Module4/Module 4.pptx
@@ -5,7 +5,7 @@
     <p:sldMasterId id="2147483672" r:id="rId1"/>
   </p:sldMasterIdLst>
   <p:notesMasterIdLst>
-    <p:notesMasterId r:id="rId67"/>
+    <p:notesMasterId r:id="rId69"/>
   </p:notesMasterIdLst>
   <p:sldIdLst>
     <p:sldId id="256" r:id="rId2"/>
@@ -72,7 +72,9 @@
     <p:sldId id="318" r:id="rId63"/>
     <p:sldId id="319" r:id="rId64"/>
     <p:sldId id="320" r:id="rId65"/>
-    <p:sldId id="321" r:id="rId66"/>
+    <p:sldId id="322" r:id="rId66"/>
+    <p:sldId id="324" r:id="rId67"/>
+    <p:sldId id="323" r:id="rId68"/>
   </p:sldIdLst>
   <p:sldSz cx="9144000" cy="6858000" type="screen4x3"/>
   <p:notesSz cx="6858000" cy="9144000"/>
@@ -273,7 +275,7 @@
             <a:fld id="{5E684183-F63B-429B-A8D4-73DE6625D228}" type="datetimeFigureOut">
               <a:rPr lang="en-US" smtClean="0"/>
               <a:pPr/>
-              <a:t>9/20/2022</a:t>
+              <a:t>10/6/2022</a:t>
             </a:fld>
             <a:endParaRPr lang="en-US"/>
           </a:p>
@@ -993,6 +995,224 @@
 </p:notes>
 </file>
 
+<file path=ppt/notesSlides/notesSlide3.xml><?xml version="1.0" encoding="utf-8"?>
+<p:notes xmlns:a="http://schemas.openxmlformats.org/drawingml/2006/main" xmlns:r="http://schemas.openxmlformats.org/officeDocument/2006/relationships" xmlns:p="http://schemas.openxmlformats.org/presentationml/2006/main" showMasterSp="0" showMasterPhAnim="0">
+  <p:cSld>
+    <p:spTree>
+      <p:nvGrpSpPr>
+        <p:cNvPr id="1" name="Shape 225"/>
+        <p:cNvGrpSpPr/>
+        <p:nvPr/>
+      </p:nvGrpSpPr>
+      <p:grpSpPr>
+        <a:xfrm>
+          <a:off x="0" y="0"/>
+          <a:ext cx="0" cy="0"/>
+          <a:chOff x="0" y="0"/>
+          <a:chExt cx="0" cy="0"/>
+        </a:xfrm>
+      </p:grpSpPr>
+      <p:sp>
+        <p:nvSpPr>
+          <p:cNvPr id="226" name="Google Shape;226;g70e3186832_0_7:notes"/>
+          <p:cNvSpPr>
+            <a:spLocks noGrp="1" noRot="1" noChangeAspect="1"/>
+          </p:cNvSpPr>
+          <p:nvPr>
+            <p:ph type="sldImg" idx="2"/>
+          </p:nvPr>
+        </p:nvSpPr>
+        <p:spPr>
+          <a:xfrm>
+            <a:off x="1143000" y="685800"/>
+            <a:ext cx="4572000" cy="3429000"/>
+          </a:xfrm>
+          <a:custGeom>
+            <a:avLst/>
+            <a:gdLst/>
+            <a:ahLst/>
+            <a:cxnLst/>
+            <a:rect l="l" t="t" r="r" b="b"/>
+            <a:pathLst>
+              <a:path w="120000" h="120000" extrusionOk="0">
+                <a:moveTo>
+                  <a:pt x="0" y="0"/>
+                </a:moveTo>
+                <a:lnTo>
+                  <a:pt x="120000" y="0"/>
+                </a:lnTo>
+                <a:lnTo>
+                  <a:pt x="120000" y="120000"/>
+                </a:lnTo>
+                <a:lnTo>
+                  <a:pt x="0" y="120000"/>
+                </a:lnTo>
+                <a:close/>
+              </a:path>
+            </a:pathLst>
+          </a:custGeom>
+        </p:spPr>
+      </p:sp>
+      <p:sp>
+        <p:nvSpPr>
+          <p:cNvPr id="227" name="Google Shape;227;g70e3186832_0_7:notes"/>
+          <p:cNvSpPr txBox="1">
+            <a:spLocks noGrp="1"/>
+          </p:cNvSpPr>
+          <p:nvPr>
+            <p:ph type="body" idx="1"/>
+          </p:nvPr>
+        </p:nvSpPr>
+        <p:spPr>
+          <a:xfrm>
+            <a:off x="685800" y="4343400"/>
+            <a:ext cx="5486400" cy="4114800"/>
+          </a:xfrm>
+          <a:prstGeom prst="rect">
+            <a:avLst/>
+          </a:prstGeom>
+        </p:spPr>
+        <p:txBody>
+          <a:bodyPr spcFirstLastPara="1" wrap="square" lIns="91425" tIns="91425" rIns="91425" bIns="91425" anchor="t" anchorCtr="0">
+            <a:noAutofit/>
+          </a:bodyPr>
+          <a:lstStyle/>
+          <a:p>
+            <a:pPr marL="0" lvl="0" indent="0" algn="l" rtl="0">
+              <a:spcBef>
+                <a:spcPts val="0"/>
+              </a:spcBef>
+              <a:spcAft>
+                <a:spcPts val="0"/>
+              </a:spcAft>
+              <a:buNone/>
+            </a:pPr>
+            <a:endParaRPr/>
+          </a:p>
+        </p:txBody>
+      </p:sp>
+    </p:spTree>
+    <p:extLst>
+      <p:ext uri="{BB962C8B-B14F-4D97-AF65-F5344CB8AC3E}">
+        <p14:creationId xmlns:p14="http://schemas.microsoft.com/office/powerpoint/2010/main" val="1131775709"/>
+      </p:ext>
+    </p:extLst>
+  </p:cSld>
+  <p:clrMapOvr>
+    <a:masterClrMapping/>
+  </p:clrMapOvr>
+</p:notes>
+</file>
+
+<file path=ppt/notesSlides/notesSlide4.xml><?xml version="1.0" encoding="utf-8"?>
+<p:notes xmlns:a="http://schemas.openxmlformats.org/drawingml/2006/main" xmlns:r="http://schemas.openxmlformats.org/officeDocument/2006/relationships" xmlns:p="http://schemas.openxmlformats.org/presentationml/2006/main" showMasterSp="0" showMasterPhAnim="0">
+  <p:cSld>
+    <p:spTree>
+      <p:nvGrpSpPr>
+        <p:cNvPr id="1" name="Shape 225"/>
+        <p:cNvGrpSpPr/>
+        <p:nvPr/>
+      </p:nvGrpSpPr>
+      <p:grpSpPr>
+        <a:xfrm>
+          <a:off x="0" y="0"/>
+          <a:ext cx="0" cy="0"/>
+          <a:chOff x="0" y="0"/>
+          <a:chExt cx="0" cy="0"/>
+        </a:xfrm>
+      </p:grpSpPr>
+      <p:sp>
+        <p:nvSpPr>
+          <p:cNvPr id="226" name="Google Shape;226;g70e3186832_0_7:notes"/>
+          <p:cNvSpPr>
+            <a:spLocks noGrp="1" noRot="1" noChangeAspect="1"/>
+          </p:cNvSpPr>
+          <p:nvPr>
+            <p:ph type="sldImg" idx="2"/>
+          </p:nvPr>
+        </p:nvSpPr>
+        <p:spPr>
+          <a:xfrm>
+            <a:off x="1143000" y="685800"/>
+            <a:ext cx="4572000" cy="3429000"/>
+          </a:xfrm>
+          <a:custGeom>
+            <a:avLst/>
+            <a:gdLst/>
+            <a:ahLst/>
+            <a:cxnLst/>
+            <a:rect l="l" t="t" r="r" b="b"/>
+            <a:pathLst>
+              <a:path w="120000" h="120000" extrusionOk="0">
+                <a:moveTo>
+                  <a:pt x="0" y="0"/>
+                </a:moveTo>
+                <a:lnTo>
+                  <a:pt x="120000" y="0"/>
+                </a:lnTo>
+                <a:lnTo>
+                  <a:pt x="120000" y="120000"/>
+                </a:lnTo>
+                <a:lnTo>
+                  <a:pt x="0" y="120000"/>
+                </a:lnTo>
+                <a:close/>
+              </a:path>
+            </a:pathLst>
+          </a:custGeom>
+        </p:spPr>
+      </p:sp>
+      <p:sp>
+        <p:nvSpPr>
+          <p:cNvPr id="227" name="Google Shape;227;g70e3186832_0_7:notes"/>
+          <p:cNvSpPr txBox="1">
+            <a:spLocks noGrp="1"/>
+          </p:cNvSpPr>
+          <p:nvPr>
+            <p:ph type="body" idx="1"/>
+          </p:nvPr>
+        </p:nvSpPr>
+        <p:spPr>
+          <a:xfrm>
+            <a:off x="685800" y="4343400"/>
+            <a:ext cx="5486400" cy="4114800"/>
+          </a:xfrm>
+          <a:prstGeom prst="rect">
+            <a:avLst/>
+          </a:prstGeom>
+        </p:spPr>
+        <p:txBody>
+          <a:bodyPr spcFirstLastPara="1" wrap="square" lIns="91425" tIns="91425" rIns="91425" bIns="91425" anchor="t" anchorCtr="0">
+            <a:noAutofit/>
+          </a:bodyPr>
+          <a:lstStyle/>
+          <a:p>
+            <a:pPr marL="0" lvl="0" indent="0" algn="l" rtl="0">
+              <a:spcBef>
+                <a:spcPts val="0"/>
+              </a:spcBef>
+              <a:spcAft>
+                <a:spcPts val="0"/>
+              </a:spcAft>
+              <a:buNone/>
+            </a:pPr>
+            <a:endParaRPr/>
+          </a:p>
+        </p:txBody>
+      </p:sp>
+    </p:spTree>
+    <p:extLst>
+      <p:ext uri="{BB962C8B-B14F-4D97-AF65-F5344CB8AC3E}">
+        <p14:creationId xmlns:p14="http://schemas.microsoft.com/office/powerpoint/2010/main" val="1472009109"/>
+      </p:ext>
+    </p:extLst>
+  </p:cSld>
+  <p:clrMapOvr>
+    <a:masterClrMapping/>
+  </p:clrMapOvr>
+</p:notes>
+</file>
+
 <file path=ppt/slideLayouts/slideLayout1.xml><?xml version="1.0" encoding="utf-8"?>
 <p:sldLayout xmlns:a="http://schemas.openxmlformats.org/drawingml/2006/main" xmlns:r="http://schemas.openxmlformats.org/officeDocument/2006/relationships" xmlns:p="http://schemas.openxmlformats.org/presentationml/2006/main" showMasterSp="0" type="title" preserve="1">
   <p:cSld name="Title Slide">
@@ -1124,7 +1344,7 @@
             <a:fld id="{2B638D4C-5CA7-43AB-9935-9FA57582368D}" type="datetime1">
               <a:rPr lang="en-US" smtClean="0"/>
               <a:pPr/>
-              <a:t>9/20/2022</a:t>
+              <a:t>10/6/2022</a:t>
             </a:fld>
             <a:endParaRPr lang="en-US"/>
           </a:p>
@@ -1997,7 +2217,7 @@
             <a:fld id="{786222AF-38C2-43AB-A7CB-2FCC33FA986D}" type="datetime1">
               <a:rPr lang="en-US" smtClean="0"/>
               <a:pPr/>
-              <a:t>9/20/2022</a:t>
+              <a:t>10/6/2022</a:t>
             </a:fld>
             <a:endParaRPr lang="en-US"/>
           </a:p>
@@ -2176,7 +2396,7 @@
             <a:fld id="{3FD75FB9-98E3-480F-9F66-43BD788B7ED1}" type="datetime1">
               <a:rPr lang="en-US" smtClean="0"/>
               <a:pPr/>
-              <a:t>9/20/2022</a:t>
+              <a:t>10/6/2022</a:t>
             </a:fld>
             <a:endParaRPr lang="en-US"/>
           </a:p>
@@ -2233,6 +2453,581 @@
   <p:transition>
     <p:wipe dir="d"/>
   </p:transition>
+</p:sldLayout>
+</file>
+
+<file path=ppt/slideLayouts/slideLayout12.xml><?xml version="1.0" encoding="utf-8"?>
+<p:sldLayout xmlns:a="http://schemas.openxmlformats.org/drawingml/2006/main" xmlns:r="http://schemas.openxmlformats.org/officeDocument/2006/relationships" xmlns:p="http://schemas.openxmlformats.org/presentationml/2006/main" matchingName="Title and two columns" type="twoColTx">
+  <p:cSld name="Title and two columns">
+    <p:spTree>
+      <p:nvGrpSpPr>
+        <p:cNvPr id="1" name="Shape 34"/>
+        <p:cNvGrpSpPr/>
+        <p:nvPr/>
+      </p:nvGrpSpPr>
+      <p:grpSpPr>
+        <a:xfrm>
+          <a:off x="0" y="0"/>
+          <a:ext cx="0" cy="0"/>
+          <a:chOff x="0" y="0"/>
+          <a:chExt cx="0" cy="0"/>
+        </a:xfrm>
+      </p:grpSpPr>
+      <p:sp>
+        <p:nvSpPr>
+          <p:cNvPr id="35" name="Google Shape;35;p5"/>
+          <p:cNvSpPr txBox="1">
+            <a:spLocks noGrp="1"/>
+          </p:cNvSpPr>
+          <p:nvPr>
+            <p:ph type="body" idx="1"/>
+          </p:nvPr>
+        </p:nvSpPr>
+        <p:spPr>
+          <a:xfrm>
+            <a:off x="606475" y="3057859"/>
+            <a:ext cx="3365400" cy="3074800"/>
+          </a:xfrm>
+          <a:prstGeom prst="rect">
+            <a:avLst/>
+          </a:prstGeom>
+        </p:spPr>
+        <p:txBody>
+          <a:bodyPr spcFirstLastPara="1" wrap="square" lIns="91425" tIns="91425" rIns="91425" bIns="91425" anchor="t" anchorCtr="0">
+            <a:noAutofit/>
+          </a:bodyPr>
+          <a:lstStyle>
+            <a:lvl1pPr marL="457200" lvl="0" indent="-317500" rtl="0">
+              <a:spcBef>
+                <a:spcPts val="0"/>
+              </a:spcBef>
+              <a:spcAft>
+                <a:spcPts val="0"/>
+              </a:spcAft>
+              <a:buClr>
+                <a:schemeClr val="accent2"/>
+              </a:buClr>
+              <a:buSzPts val="1400"/>
+              <a:buChar char="■"/>
+              <a:defRPr sz="1400"/>
+            </a:lvl1pPr>
+            <a:lvl2pPr marL="914400" lvl="1" indent="-317500" rtl="0">
+              <a:spcBef>
+                <a:spcPts val="1600"/>
+              </a:spcBef>
+              <a:spcAft>
+                <a:spcPts val="0"/>
+              </a:spcAft>
+              <a:buSzPts val="1400"/>
+              <a:buChar char="○"/>
+              <a:defRPr/>
+            </a:lvl2pPr>
+            <a:lvl3pPr marL="1371600" lvl="2" indent="-317500" rtl="0">
+              <a:spcBef>
+                <a:spcPts val="1600"/>
+              </a:spcBef>
+              <a:spcAft>
+                <a:spcPts val="0"/>
+              </a:spcAft>
+              <a:buSzPts val="1400"/>
+              <a:buChar char="■"/>
+              <a:defRPr/>
+            </a:lvl3pPr>
+            <a:lvl4pPr marL="1828800" lvl="3" indent="-317500" rtl="0">
+              <a:spcBef>
+                <a:spcPts val="1600"/>
+              </a:spcBef>
+              <a:spcAft>
+                <a:spcPts val="0"/>
+              </a:spcAft>
+              <a:buSzPts val="1400"/>
+              <a:buChar char="●"/>
+              <a:defRPr/>
+            </a:lvl4pPr>
+            <a:lvl5pPr marL="2286000" lvl="4" indent="-317500" rtl="0">
+              <a:spcBef>
+                <a:spcPts val="1600"/>
+              </a:spcBef>
+              <a:spcAft>
+                <a:spcPts val="0"/>
+              </a:spcAft>
+              <a:buSzPts val="1400"/>
+              <a:buChar char="○"/>
+              <a:defRPr/>
+            </a:lvl5pPr>
+            <a:lvl6pPr marL="2743200" lvl="5" indent="-317500" rtl="0">
+              <a:spcBef>
+                <a:spcPts val="1600"/>
+              </a:spcBef>
+              <a:spcAft>
+                <a:spcPts val="0"/>
+              </a:spcAft>
+              <a:buSzPts val="1400"/>
+              <a:buChar char="■"/>
+              <a:defRPr/>
+            </a:lvl6pPr>
+            <a:lvl7pPr marL="3200400" lvl="6" indent="-317500" rtl="0">
+              <a:spcBef>
+                <a:spcPts val="1600"/>
+              </a:spcBef>
+              <a:spcAft>
+                <a:spcPts val="0"/>
+              </a:spcAft>
+              <a:buSzPts val="1400"/>
+              <a:buChar char="●"/>
+              <a:defRPr/>
+            </a:lvl7pPr>
+            <a:lvl8pPr marL="3657600" lvl="7" indent="-317500" rtl="0">
+              <a:spcBef>
+                <a:spcPts val="1600"/>
+              </a:spcBef>
+              <a:spcAft>
+                <a:spcPts val="0"/>
+              </a:spcAft>
+              <a:buSzPts val="1400"/>
+              <a:buChar char="○"/>
+              <a:defRPr/>
+            </a:lvl8pPr>
+            <a:lvl9pPr marL="4114800" lvl="8" indent="-317500" rtl="0">
+              <a:spcBef>
+                <a:spcPts val="1600"/>
+              </a:spcBef>
+              <a:spcAft>
+                <a:spcPts val="1600"/>
+              </a:spcAft>
+              <a:buSzPts val="1400"/>
+              <a:buChar char="■"/>
+              <a:defRPr/>
+            </a:lvl9pPr>
+          </a:lstStyle>
+          <a:p>
+            <a:endParaRPr/>
+          </a:p>
+        </p:txBody>
+      </p:sp>
+      <p:sp>
+        <p:nvSpPr>
+          <p:cNvPr id="36" name="Google Shape;36;p5"/>
+          <p:cNvSpPr txBox="1">
+            <a:spLocks noGrp="1"/>
+          </p:cNvSpPr>
+          <p:nvPr>
+            <p:ph type="body" idx="2"/>
+          </p:nvPr>
+        </p:nvSpPr>
+        <p:spPr>
+          <a:xfrm>
+            <a:off x="5172150" y="2676611"/>
+            <a:ext cx="3365400" cy="3374000"/>
+          </a:xfrm>
+          <a:prstGeom prst="rect">
+            <a:avLst/>
+          </a:prstGeom>
+        </p:spPr>
+        <p:txBody>
+          <a:bodyPr spcFirstLastPara="1" wrap="square" lIns="91425" tIns="91425" rIns="91425" bIns="91425" anchor="t" anchorCtr="0">
+            <a:noAutofit/>
+          </a:bodyPr>
+          <a:lstStyle>
+            <a:lvl1pPr marL="457200" lvl="0" indent="-317500" rtl="0">
+              <a:spcBef>
+                <a:spcPts val="0"/>
+              </a:spcBef>
+              <a:spcAft>
+                <a:spcPts val="0"/>
+              </a:spcAft>
+              <a:buClr>
+                <a:schemeClr val="accent2"/>
+              </a:buClr>
+              <a:buSzPts val="1400"/>
+              <a:buChar char="■"/>
+              <a:defRPr sz="1400"/>
+            </a:lvl1pPr>
+            <a:lvl2pPr marL="914400" lvl="1" indent="-317500" rtl="0">
+              <a:spcBef>
+                <a:spcPts val="1600"/>
+              </a:spcBef>
+              <a:spcAft>
+                <a:spcPts val="0"/>
+              </a:spcAft>
+              <a:buSzPts val="1400"/>
+              <a:buChar char="○"/>
+              <a:defRPr/>
+            </a:lvl2pPr>
+            <a:lvl3pPr marL="1371600" lvl="2" indent="-317500" rtl="0">
+              <a:spcBef>
+                <a:spcPts val="1600"/>
+              </a:spcBef>
+              <a:spcAft>
+                <a:spcPts val="0"/>
+              </a:spcAft>
+              <a:buSzPts val="1400"/>
+              <a:buChar char="■"/>
+              <a:defRPr/>
+            </a:lvl3pPr>
+            <a:lvl4pPr marL="1828800" lvl="3" indent="-317500" rtl="0">
+              <a:spcBef>
+                <a:spcPts val="1600"/>
+              </a:spcBef>
+              <a:spcAft>
+                <a:spcPts val="0"/>
+              </a:spcAft>
+              <a:buSzPts val="1400"/>
+              <a:buChar char="●"/>
+              <a:defRPr/>
+            </a:lvl4pPr>
+            <a:lvl5pPr marL="2286000" lvl="4" indent="-317500" rtl="0">
+              <a:spcBef>
+                <a:spcPts val="1600"/>
+              </a:spcBef>
+              <a:spcAft>
+                <a:spcPts val="0"/>
+              </a:spcAft>
+              <a:buSzPts val="1400"/>
+              <a:buChar char="○"/>
+              <a:defRPr/>
+            </a:lvl5pPr>
+            <a:lvl6pPr marL="2743200" lvl="5" indent="-317500" rtl="0">
+              <a:spcBef>
+                <a:spcPts val="1600"/>
+              </a:spcBef>
+              <a:spcAft>
+                <a:spcPts val="0"/>
+              </a:spcAft>
+              <a:buSzPts val="1400"/>
+              <a:buChar char="■"/>
+              <a:defRPr/>
+            </a:lvl6pPr>
+            <a:lvl7pPr marL="3200400" lvl="6" indent="-317500" rtl="0">
+              <a:spcBef>
+                <a:spcPts val="1600"/>
+              </a:spcBef>
+              <a:spcAft>
+                <a:spcPts val="0"/>
+              </a:spcAft>
+              <a:buSzPts val="1400"/>
+              <a:buChar char="●"/>
+              <a:defRPr/>
+            </a:lvl7pPr>
+            <a:lvl8pPr marL="3657600" lvl="7" indent="-317500" rtl="0">
+              <a:spcBef>
+                <a:spcPts val="1600"/>
+              </a:spcBef>
+              <a:spcAft>
+                <a:spcPts val="0"/>
+              </a:spcAft>
+              <a:buSzPts val="1400"/>
+              <a:buChar char="○"/>
+              <a:defRPr/>
+            </a:lvl8pPr>
+            <a:lvl9pPr marL="4114800" lvl="8" indent="-317500" rtl="0">
+              <a:spcBef>
+                <a:spcPts val="1600"/>
+              </a:spcBef>
+              <a:spcAft>
+                <a:spcPts val="1600"/>
+              </a:spcAft>
+              <a:buSzPts val="1400"/>
+              <a:buChar char="■"/>
+              <a:defRPr/>
+            </a:lvl9pPr>
+          </a:lstStyle>
+          <a:p>
+            <a:endParaRPr/>
+          </a:p>
+        </p:txBody>
+      </p:sp>
+      <p:sp>
+        <p:nvSpPr>
+          <p:cNvPr id="37" name="Google Shape;37;p5"/>
+          <p:cNvSpPr txBox="1">
+            <a:spLocks noGrp="1"/>
+          </p:cNvSpPr>
+          <p:nvPr>
+            <p:ph type="title"/>
+          </p:nvPr>
+        </p:nvSpPr>
+        <p:spPr>
+          <a:xfrm>
+            <a:off x="596975" y="873621"/>
+            <a:ext cx="7950000" cy="596800"/>
+          </a:xfrm>
+          <a:prstGeom prst="rect">
+            <a:avLst/>
+          </a:prstGeom>
+        </p:spPr>
+        <p:txBody>
+          <a:bodyPr spcFirstLastPara="1" wrap="square" lIns="91425" tIns="91425" rIns="91425" bIns="91425" anchor="ctr" anchorCtr="0">
+            <a:noAutofit/>
+          </a:bodyPr>
+          <a:lstStyle>
+            <a:lvl1pPr lvl="0" algn="ctr" rtl="0">
+              <a:spcBef>
+                <a:spcPts val="0"/>
+              </a:spcBef>
+              <a:spcAft>
+                <a:spcPts val="0"/>
+              </a:spcAft>
+              <a:buSzPts val="2600"/>
+              <a:buNone/>
+              <a:defRPr/>
+            </a:lvl1pPr>
+            <a:lvl2pPr lvl="1" algn="ctr" rtl="0">
+              <a:spcBef>
+                <a:spcPts val="0"/>
+              </a:spcBef>
+              <a:spcAft>
+                <a:spcPts val="0"/>
+              </a:spcAft>
+              <a:buSzPts val="2600"/>
+              <a:buNone/>
+              <a:defRPr sz="2600"/>
+            </a:lvl2pPr>
+            <a:lvl3pPr lvl="2" algn="ctr" rtl="0">
+              <a:spcBef>
+                <a:spcPts val="0"/>
+              </a:spcBef>
+              <a:spcAft>
+                <a:spcPts val="0"/>
+              </a:spcAft>
+              <a:buSzPts val="2600"/>
+              <a:buNone/>
+              <a:defRPr sz="2600"/>
+            </a:lvl3pPr>
+            <a:lvl4pPr lvl="3" algn="ctr" rtl="0">
+              <a:spcBef>
+                <a:spcPts val="0"/>
+              </a:spcBef>
+              <a:spcAft>
+                <a:spcPts val="0"/>
+              </a:spcAft>
+              <a:buSzPts val="2600"/>
+              <a:buNone/>
+              <a:defRPr sz="2600"/>
+            </a:lvl4pPr>
+            <a:lvl5pPr lvl="4" algn="ctr" rtl="0">
+              <a:spcBef>
+                <a:spcPts val="0"/>
+              </a:spcBef>
+              <a:spcAft>
+                <a:spcPts val="0"/>
+              </a:spcAft>
+              <a:buSzPts val="2600"/>
+              <a:buNone/>
+              <a:defRPr sz="2600"/>
+            </a:lvl5pPr>
+            <a:lvl6pPr lvl="5" algn="ctr" rtl="0">
+              <a:spcBef>
+                <a:spcPts val="0"/>
+              </a:spcBef>
+              <a:spcAft>
+                <a:spcPts val="0"/>
+              </a:spcAft>
+              <a:buSzPts val="2600"/>
+              <a:buNone/>
+              <a:defRPr sz="2600"/>
+            </a:lvl6pPr>
+            <a:lvl7pPr lvl="6" algn="ctr" rtl="0">
+              <a:spcBef>
+                <a:spcPts val="0"/>
+              </a:spcBef>
+              <a:spcAft>
+                <a:spcPts val="0"/>
+              </a:spcAft>
+              <a:buSzPts val="2600"/>
+              <a:buNone/>
+              <a:defRPr sz="2600"/>
+            </a:lvl7pPr>
+            <a:lvl8pPr lvl="7" algn="ctr" rtl="0">
+              <a:spcBef>
+                <a:spcPts val="0"/>
+              </a:spcBef>
+              <a:spcAft>
+                <a:spcPts val="0"/>
+              </a:spcAft>
+              <a:buSzPts val="2600"/>
+              <a:buNone/>
+              <a:defRPr sz="2600"/>
+            </a:lvl8pPr>
+            <a:lvl9pPr lvl="8" algn="ctr" rtl="0">
+              <a:spcBef>
+                <a:spcPts val="0"/>
+              </a:spcBef>
+              <a:spcAft>
+                <a:spcPts val="0"/>
+              </a:spcAft>
+              <a:buSzPts val="2600"/>
+              <a:buNone/>
+              <a:defRPr sz="2600"/>
+            </a:lvl9pPr>
+          </a:lstStyle>
+          <a:p>
+            <a:endParaRPr/>
+          </a:p>
+        </p:txBody>
+      </p:sp>
+      <p:sp>
+        <p:nvSpPr>
+          <p:cNvPr id="38" name="Google Shape;38;p5"/>
+          <p:cNvSpPr/>
+          <p:nvPr/>
+        </p:nvSpPr>
+        <p:spPr>
+          <a:xfrm>
+            <a:off x="0" y="0"/>
+            <a:ext cx="713100" cy="475600"/>
+          </a:xfrm>
+          <a:prstGeom prst="rect">
+            <a:avLst/>
+          </a:prstGeom>
+          <a:solidFill>
+            <a:schemeClr val="accent3"/>
+          </a:solidFill>
+          <a:ln>
+            <a:noFill/>
+          </a:ln>
+        </p:spPr>
+        <p:txBody>
+          <a:bodyPr spcFirstLastPara="1" wrap="square" lIns="91425" tIns="91425" rIns="91425" bIns="91425" anchor="ctr" anchorCtr="0">
+            <a:noAutofit/>
+          </a:bodyPr>
+          <a:lstStyle/>
+          <a:p>
+            <a:pPr marL="0" lvl="0" indent="0" algn="l" rtl="0">
+              <a:spcBef>
+                <a:spcPts val="0"/>
+              </a:spcBef>
+              <a:spcAft>
+                <a:spcPts val="0"/>
+              </a:spcAft>
+              <a:buNone/>
+            </a:pPr>
+            <a:endParaRPr sz="1800"/>
+          </a:p>
+        </p:txBody>
+      </p:sp>
+      <p:sp>
+        <p:nvSpPr>
+          <p:cNvPr id="39" name="Google Shape;39;p5"/>
+          <p:cNvSpPr/>
+          <p:nvPr/>
+        </p:nvSpPr>
+        <p:spPr>
+          <a:xfrm>
+            <a:off x="8430750" y="5893200"/>
+            <a:ext cx="713100" cy="964800"/>
+          </a:xfrm>
+          <a:prstGeom prst="rect">
+            <a:avLst/>
+          </a:prstGeom>
+          <a:solidFill>
+            <a:schemeClr val="accent2"/>
+          </a:solidFill>
+          <a:ln>
+            <a:noFill/>
+          </a:ln>
+        </p:spPr>
+        <p:txBody>
+          <a:bodyPr spcFirstLastPara="1" wrap="square" lIns="91425" tIns="91425" rIns="91425" bIns="91425" anchor="ctr" anchorCtr="0">
+            <a:noAutofit/>
+          </a:bodyPr>
+          <a:lstStyle/>
+          <a:p>
+            <a:pPr marL="0" lvl="0" indent="0" algn="l" rtl="0">
+              <a:spcBef>
+                <a:spcPts val="0"/>
+              </a:spcBef>
+              <a:spcAft>
+                <a:spcPts val="0"/>
+              </a:spcAft>
+              <a:buNone/>
+            </a:pPr>
+            <a:endParaRPr sz="1800"/>
+          </a:p>
+        </p:txBody>
+      </p:sp>
+      <p:sp>
+        <p:nvSpPr>
+          <p:cNvPr id="40" name="Google Shape;40;p5"/>
+          <p:cNvSpPr txBox="1">
+            <a:spLocks noGrp="1"/>
+          </p:cNvSpPr>
+          <p:nvPr>
+            <p:ph type="sldNum" idx="12"/>
+          </p:nvPr>
+        </p:nvSpPr>
+        <p:spPr>
+          <a:xfrm>
+            <a:off x="8556784" y="6333135"/>
+            <a:ext cx="548700" cy="524800"/>
+          </a:xfrm>
+          <a:prstGeom prst="rect">
+            <a:avLst/>
+          </a:prstGeom>
+        </p:spPr>
+        <p:txBody>
+          <a:bodyPr spcFirstLastPara="1" wrap="square" lIns="91425" tIns="91425" rIns="91425" bIns="91425" anchor="t" anchorCtr="0">
+            <a:noAutofit/>
+          </a:bodyPr>
+          <a:lstStyle>
+            <a:lvl1pPr lvl="0" rtl="0">
+              <a:buNone/>
+              <a:defRPr/>
+            </a:lvl1pPr>
+            <a:lvl2pPr lvl="1" rtl="0">
+              <a:buNone/>
+              <a:defRPr/>
+            </a:lvl2pPr>
+            <a:lvl3pPr lvl="2" rtl="0">
+              <a:buNone/>
+              <a:defRPr/>
+            </a:lvl3pPr>
+            <a:lvl4pPr lvl="3" rtl="0">
+              <a:buNone/>
+              <a:defRPr/>
+            </a:lvl4pPr>
+            <a:lvl5pPr lvl="4" rtl="0">
+              <a:buNone/>
+              <a:defRPr/>
+            </a:lvl5pPr>
+            <a:lvl6pPr lvl="5" rtl="0">
+              <a:buNone/>
+              <a:defRPr/>
+            </a:lvl6pPr>
+            <a:lvl7pPr lvl="6" rtl="0">
+              <a:buNone/>
+              <a:defRPr/>
+            </a:lvl7pPr>
+            <a:lvl8pPr lvl="7" rtl="0">
+              <a:buNone/>
+              <a:defRPr/>
+            </a:lvl8pPr>
+            <a:lvl9pPr lvl="8" rtl="0">
+              <a:buNone/>
+              <a:defRPr/>
+            </a:lvl9pPr>
+          </a:lstStyle>
+          <a:p>
+            <a:pPr algn="r"/>
+            <a:fld id="{00000000-1234-1234-1234-123412341234}" type="slidenum">
+              <a:rPr lang="en" smtClean="0"/>
+              <a:pPr algn="r"/>
+              <a:t>‹#›</a:t>
+            </a:fld>
+            <a:endParaRPr lang="en"/>
+          </a:p>
+        </p:txBody>
+      </p:sp>
+    </p:spTree>
+    <p:extLst>
+      <p:ext uri="{BB962C8B-B14F-4D97-AF65-F5344CB8AC3E}">
+        <p14:creationId xmlns:p14="http://schemas.microsoft.com/office/powerpoint/2010/main" val="1314520147"/>
+      </p:ext>
+    </p:extLst>
+  </p:cSld>
+  <p:clrMapOvr>
+    <a:masterClrMapping/>
+  </p:clrMapOvr>
 </p:sldLayout>
 </file>
 
@@ -2350,7 +3145,7 @@
             <a:fld id="{575F3701-36F3-4A68-B5C1-240C4EB6EC88}" type="datetime1">
               <a:rPr lang="en-US" smtClean="0"/>
               <a:pPr/>
-              <a:t>9/20/2022</a:t>
+              <a:t>10/6/2022</a:t>
             </a:fld>
             <a:endParaRPr lang="en-US"/>
           </a:p>
@@ -2559,7 +3354,7 @@
             <a:fld id="{5532E152-E3E8-4CDD-885B-73F5AAEA2CF9}" type="datetime1">
               <a:rPr lang="en-US" smtClean="0"/>
               <a:pPr/>
-              <a:t>9/20/2022</a:t>
+              <a:t>10/6/2022</a:t>
             </a:fld>
             <a:endParaRPr lang="en-US"/>
           </a:p>
@@ -3377,7 +4172,7 @@
             <a:fld id="{B5CEDF4A-AE48-4140-98D2-AB131868351C}" type="datetime1">
               <a:rPr lang="en-US" smtClean="0"/>
               <a:pPr/>
-              <a:t>9/20/2022</a:t>
+              <a:t>10/6/2022</a:t>
             </a:fld>
             <a:endParaRPr lang="en-US"/>
           </a:p>
@@ -3617,7 +4412,7 @@
             <a:fld id="{9396337B-237F-4817-AF59-0B39841E12F0}" type="datetime1">
               <a:rPr lang="en-US" smtClean="0"/>
               <a:pPr/>
-              <a:t>9/20/2022</a:t>
+              <a:t>10/6/2022</a:t>
             </a:fld>
             <a:endParaRPr lang="en-US"/>
           </a:p>
@@ -3944,7 +4739,7 @@
             <a:fld id="{9BC4F7E1-528E-4F8D-8379-57FE65B2A64C}" type="datetime1">
               <a:rPr lang="en-US" smtClean="0"/>
               <a:pPr/>
-              <a:t>9/20/2022</a:t>
+              <a:t>10/6/2022</a:t>
             </a:fld>
             <a:endParaRPr lang="en-US"/>
           </a:p>
@@ -4039,7 +4834,7 @@
             <a:fld id="{7C1EF07C-2FA2-4B29-8D32-45F9180B8CB4}" type="datetime1">
               <a:rPr lang="en-US" smtClean="0"/>
               <a:pPr/>
-              <a:t>9/20/2022</a:t>
+              <a:t>10/6/2022</a:t>
             </a:fld>
             <a:endParaRPr lang="en-US"/>
           </a:p>
@@ -4555,7 +5350,7 @@
             <a:fld id="{DEA2A67F-461C-4388-9024-6299C395E0BE}" type="datetime1">
               <a:rPr lang="en-US" smtClean="0"/>
               <a:pPr/>
-              <a:t>9/20/2022</a:t>
+              <a:t>10/6/2022</a:t>
             </a:fld>
             <a:endParaRPr lang="en-US"/>
           </a:p>
@@ -5070,7 +5865,7 @@
             <a:fld id="{128B7D37-2026-44A7-B82B-C97ACB3C7E83}" type="datetime1">
               <a:rPr lang="en-US" smtClean="0"/>
               <a:pPr/>
-              <a:t>9/20/2022</a:t>
+              <a:t>10/6/2022</a:t>
             </a:fld>
             <a:endParaRPr lang="en-US"/>
           </a:p>
@@ -5321,7 +6116,7 @@
             <a:fld id="{24A19150-C038-42D8-871B-2242FF05250E}" type="datetime1">
               <a:rPr lang="en-US" smtClean="0"/>
               <a:pPr/>
-              <a:t>9/20/2022</a:t>
+              <a:t>10/6/2022</a:t>
             </a:fld>
             <a:endParaRPr lang="en-US"/>
           </a:p>
@@ -5619,6 +6414,7 @@
     <p:sldLayoutId id="2147483681" r:id="rId9"/>
     <p:sldLayoutId id="2147483682" r:id="rId10"/>
     <p:sldLayoutId id="2147483683" r:id="rId11"/>
+    <p:sldLayoutId id="2147483684" r:id="rId12"/>
   </p:sldLayoutIdLst>
   <p:transition>
     <p:wipe dir="d"/>
@@ -5931,6 +6727,47 @@
           <a:chExt cx="0" cy="0"/>
         </a:xfrm>
       </p:grpSpPr>
+      <p:pic>
+        <p:nvPicPr>
+          <p:cNvPr id="1026" name="Picture 2" descr="Why Do We Use Python for Machine Learning &amp; AI? | by Ajay Kapoor | Python  in Plain English"/>
+          <p:cNvPicPr>
+            <a:picLocks noChangeAspect="1" noChangeArrowheads="1"/>
+          </p:cNvPicPr>
+          <p:nvPr/>
+        </p:nvPicPr>
+        <p:blipFill>
+          <a:blip r:embed="rId2">
+            <a:extLst>
+              <a:ext uri="{28A0092B-C50C-407E-A947-70E740481C1C}">
+                <a14:useLocalDpi xmlns:a14="http://schemas.microsoft.com/office/drawing/2010/main" val="0"/>
+              </a:ext>
+            </a:extLst>
+          </a:blip>
+          <a:srcRect/>
+          <a:stretch>
+            <a:fillRect/>
+          </a:stretch>
+        </p:blipFill>
+        <p:spPr bwMode="auto">
+          <a:xfrm>
+            <a:off x="0" y="0"/>
+            <a:ext cx="9144000" cy="6858000"/>
+          </a:xfrm>
+          <a:prstGeom prst="rect">
+            <a:avLst/>
+          </a:prstGeom>
+          <a:noFill/>
+          <a:extLst>
+            <a:ext uri="{909E8E84-426E-40DD-AFC4-6F175D3DCCD1}">
+              <a14:hiddenFill xmlns:a14="http://schemas.microsoft.com/office/drawing/2010/main">
+                <a:solidFill>
+                  <a:srgbClr val="FFFFFF"/>
+                </a:solidFill>
+              </a14:hiddenFill>
+            </a:ext>
+          </a:extLst>
+        </p:spPr>
+      </p:pic>
       <p:sp>
         <p:nvSpPr>
           <p:cNvPr id="2" name="Title 1"/>
@@ -5943,37 +6780,68 @@
         </p:nvSpPr>
         <p:spPr>
           <a:xfrm>
-            <a:off x="2286000" y="76200"/>
-            <a:ext cx="6172200" cy="1894362"/>
+            <a:off x="1219200" y="76200"/>
+            <a:ext cx="6172200" cy="1230632"/>
           </a:xfrm>
         </p:spPr>
         <p:txBody>
-          <a:bodyPr/>
+          <a:bodyPr>
+            <a:normAutofit fontScale="90000"/>
+          </a:bodyPr>
           <a:lstStyle/>
           <a:p>
-            <a:r>
-              <a:rPr lang="en-US" dirty="0"/>
+            <a:pPr algn="ctr"/>
+            <a:r>
+              <a:rPr lang="en-US" dirty="0">
+                <a:solidFill>
+                  <a:schemeClr val="bg1"/>
+                </a:solidFill>
+              </a:rPr>
               <a:t>CHAPTER </a:t>
             </a:r>
             <a:r>
-              <a:rPr lang="en-US" dirty="0" smtClean="0"/>
+              <a:rPr lang="en-US" dirty="0" smtClean="0">
+                <a:solidFill>
+                  <a:schemeClr val="bg1"/>
+                </a:solidFill>
+              </a:rPr>
               <a:t>4</a:t>
             </a:r>
             <a:br>
-              <a:rPr lang="en-US" dirty="0" smtClean="0"/>
+              <a:rPr lang="en-US" dirty="0" smtClean="0">
+                <a:solidFill>
+                  <a:schemeClr val="bg1"/>
+                </a:solidFill>
+              </a:rPr>
             </a:br>
             <a:r>
-              <a:rPr lang="en-US" dirty="0" smtClean="0"/>
+              <a:rPr lang="en-US" dirty="0" smtClean="0">
+                <a:solidFill>
+                  <a:schemeClr val="bg1"/>
+                </a:solidFill>
+              </a:rPr>
               <a:t>Python For AI/ML</a:t>
             </a:r>
             <a:r>
-              <a:rPr lang="en-US" dirty="0"/>
+              <a:rPr lang="en-US" dirty="0">
+                <a:solidFill>
+                  <a:schemeClr val="bg1"/>
+                </a:solidFill>
+              </a:rPr>
               <a:t/>
             </a:r>
             <a:br>
-              <a:rPr lang="en-US" dirty="0"/>
+              <a:rPr lang="en-US" dirty="0">
+                <a:solidFill>
+                  <a:schemeClr val="bg1"/>
+                </a:solidFill>
+              </a:rPr>
             </a:br>
-            <a:endParaRPr lang="en-US" dirty="0"/>
+            <a:endParaRPr lang="en-US" dirty="0">
+              <a:solidFill>
+                <a:schemeClr val="bg1"/>
+              </a:solidFill>
+            </a:endParaRPr>
           </a:p>
         </p:txBody>
       </p:sp>
@@ -5987,24 +6855,41 @@
             <p:ph type="subTitle" idx="1"/>
           </p:nvPr>
         </p:nvSpPr>
-        <p:spPr/>
+        <p:spPr>
+          <a:xfrm>
+            <a:off x="2743200" y="4760426"/>
+            <a:ext cx="6172200" cy="1371600"/>
+          </a:xfrm>
+        </p:spPr>
         <p:txBody>
           <a:bodyPr/>
           <a:lstStyle/>
           <a:p>
             <a:pPr algn="r"/>
             <a:r>
-              <a:rPr lang="en-US" dirty="0"/>
+              <a:rPr lang="en-US" dirty="0">
+                <a:solidFill>
+                  <a:schemeClr val="bg1"/>
+                </a:solidFill>
+              </a:rPr>
               <a:t>Presented by</a:t>
             </a:r>
           </a:p>
           <a:p>
             <a:pPr algn="r"/>
             <a:r>
-              <a:rPr lang="en-US" dirty="0" smtClean="0"/>
+              <a:rPr lang="en-US" dirty="0" smtClean="0">
+                <a:solidFill>
+                  <a:schemeClr val="bg1"/>
+                </a:solidFill>
+              </a:rPr>
               <a:t>Mohammad Tahir Mirji</a:t>
             </a:r>
-            <a:endParaRPr lang="en-US" dirty="0"/>
+            <a:endParaRPr lang="en-US" dirty="0">
+              <a:solidFill>
+                <a:schemeClr val="bg1"/>
+              </a:solidFill>
+            </a:endParaRPr>
           </a:p>
         </p:txBody>
       </p:sp>
@@ -7659,7 +8544,12 @@
             <p:ph type="title"/>
           </p:nvPr>
         </p:nvSpPr>
-        <p:spPr/>
+        <p:spPr>
+          <a:xfrm>
+            <a:off x="441960" y="30480"/>
+            <a:ext cx="7467600" cy="1143000"/>
+          </a:xfrm>
+        </p:spPr>
         <p:txBody>
           <a:bodyPr>
             <a:normAutofit/>
@@ -8844,7 +9734,12 @@
             <p:ph type="title"/>
           </p:nvPr>
         </p:nvSpPr>
-        <p:spPr/>
+        <p:spPr>
+          <a:xfrm>
+            <a:off x="685800" y="381000"/>
+            <a:ext cx="7239000" cy="1036638"/>
+          </a:xfrm>
+        </p:spPr>
         <p:txBody>
           <a:bodyPr>
             <a:normAutofit/>
@@ -8879,74 +9774,158 @@
           </a:bodyPr>
           <a:lstStyle/>
           <a:p>
+            <a:pPr>
+              <a:buFont typeface="Wingdings" panose="05000000000000000000" pitchFamily="2" charset="2"/>
+              <a:buChar char="§"/>
+            </a:pPr>
             <a:r>
               <a:rPr lang="en-US" sz="3600" dirty="0">
+                <a:ln w="0"/>
+                <a:solidFill>
+                  <a:schemeClr val="accent1"/>
+                </a:solidFill>
                 <a:effectLst>
-                  <a:reflection blurRad="6350" stA="55000" endA="300" endPos="45500" dir="5400000" sy="-100000" algn="bl" rotWithShape="0"/>
+                  <a:outerShdw blurRad="38100" dist="25400" dir="5400000" algn="ctr" rotWithShape="0">
+                    <a:srgbClr val="6E747A">
+                      <a:alpha val="43000"/>
+                    </a:srgbClr>
+                  </a:outerShdw>
                 </a:effectLst>
               </a:rPr>
               <a:t>Anaconda</a:t>
             </a:r>
           </a:p>
           <a:p>
+            <a:pPr>
+              <a:buFont typeface="Wingdings" panose="05000000000000000000" pitchFamily="2" charset="2"/>
+              <a:buChar char="§"/>
+            </a:pPr>
             <a:r>
               <a:rPr lang="en-US" sz="3600" dirty="0" err="1">
+                <a:ln w="0"/>
+                <a:solidFill>
+                  <a:schemeClr val="accent1"/>
+                </a:solidFill>
                 <a:effectLst>
-                  <a:reflection blurRad="6350" stA="55000" endA="300" endPos="45500" dir="5400000" sy="-100000" algn="bl" rotWithShape="0"/>
+                  <a:outerShdw blurRad="38100" dist="25400" dir="5400000" algn="ctr" rotWithShape="0">
+                    <a:srgbClr val="6E747A">
+                      <a:alpha val="43000"/>
+                    </a:srgbClr>
+                  </a:outerShdw>
                 </a:effectLst>
               </a:rPr>
               <a:t>Jupyter</a:t>
             </a:r>
             <a:r>
               <a:rPr lang="en-US" sz="3600" dirty="0">
+                <a:ln w="0"/>
+                <a:solidFill>
+                  <a:schemeClr val="accent1"/>
+                </a:solidFill>
                 <a:effectLst>
-                  <a:reflection blurRad="6350" stA="55000" endA="300" endPos="45500" dir="5400000" sy="-100000" algn="bl" rotWithShape="0"/>
+                  <a:outerShdw blurRad="38100" dist="25400" dir="5400000" algn="ctr" rotWithShape="0">
+                    <a:srgbClr val="6E747A">
+                      <a:alpha val="43000"/>
+                    </a:srgbClr>
+                  </a:outerShdw>
                 </a:effectLst>
               </a:rPr>
               <a:t> Notebooks</a:t>
             </a:r>
           </a:p>
           <a:p>
+            <a:pPr>
+              <a:buFont typeface="Wingdings" panose="05000000000000000000" pitchFamily="2" charset="2"/>
+              <a:buChar char="§"/>
+            </a:pPr>
             <a:r>
               <a:rPr lang="en-US" sz="3600" dirty="0" err="1">
+                <a:ln w="0"/>
+                <a:solidFill>
+                  <a:schemeClr val="accent1"/>
+                </a:solidFill>
                 <a:effectLst>
-                  <a:reflection blurRad="6350" stA="55000" endA="300" endPos="45500" dir="5400000" sy="-100000" algn="bl" rotWithShape="0"/>
+                  <a:outerShdw blurRad="38100" dist="25400" dir="5400000" algn="ctr" rotWithShape="0">
+                    <a:srgbClr val="6E747A">
+                      <a:alpha val="43000"/>
+                    </a:srgbClr>
+                  </a:outerShdw>
                 </a:effectLst>
               </a:rPr>
               <a:t>Numpy</a:t>
             </a:r>
             <a:r>
               <a:rPr lang="en-US" sz="3600" dirty="0">
+                <a:ln w="0"/>
+                <a:solidFill>
+                  <a:schemeClr val="accent1"/>
+                </a:solidFill>
                 <a:effectLst>
-                  <a:reflection blurRad="6350" stA="55000" endA="300" endPos="45500" dir="5400000" sy="-100000" algn="bl" rotWithShape="0"/>
+                  <a:outerShdw blurRad="38100" dist="25400" dir="5400000" algn="ctr" rotWithShape="0">
+                    <a:srgbClr val="6E747A">
+                      <a:alpha val="43000"/>
+                    </a:srgbClr>
+                  </a:outerShdw>
                 </a:effectLst>
               </a:rPr>
               <a:t> Basics</a:t>
             </a:r>
           </a:p>
           <a:p>
+            <a:pPr>
+              <a:buFont typeface="Wingdings" panose="05000000000000000000" pitchFamily="2" charset="2"/>
+              <a:buChar char="§"/>
+            </a:pPr>
             <a:r>
               <a:rPr lang="en-US" sz="3600" dirty="0">
+                <a:ln w="0"/>
+                <a:solidFill>
+                  <a:schemeClr val="accent1"/>
+                </a:solidFill>
                 <a:effectLst>
-                  <a:reflection blurRad="6350" stA="55000" endA="300" endPos="45500" dir="5400000" sy="-100000" algn="bl" rotWithShape="0"/>
+                  <a:outerShdw blurRad="38100" dist="25400" dir="5400000" algn="ctr" rotWithShape="0">
+                    <a:srgbClr val="6E747A">
+                      <a:alpha val="43000"/>
+                    </a:srgbClr>
+                  </a:outerShdw>
                 </a:effectLst>
               </a:rPr>
               <a:t>Pandas Basics</a:t>
             </a:r>
           </a:p>
           <a:p>
+            <a:pPr>
+              <a:buFont typeface="Wingdings" panose="05000000000000000000" pitchFamily="2" charset="2"/>
+              <a:buChar char="§"/>
+            </a:pPr>
             <a:r>
               <a:rPr lang="en-US" sz="3600" dirty="0" err="1">
+                <a:ln w="0"/>
+                <a:solidFill>
+                  <a:schemeClr val="accent1"/>
+                </a:solidFill>
                 <a:effectLst>
-                  <a:reflection blurRad="6350" stA="55000" endA="300" endPos="45500" dir="5400000" sy="-100000" algn="bl" rotWithShape="0"/>
+                  <a:outerShdw blurRad="38100" dist="25400" dir="5400000" algn="ctr" rotWithShape="0">
+                    <a:srgbClr val="6E747A">
+                      <a:alpha val="43000"/>
+                    </a:srgbClr>
+                  </a:outerShdw>
                 </a:effectLst>
               </a:rPr>
               <a:t>Matplotlib</a:t>
             </a:r>
             <a:r>
               <a:rPr lang="en-US" sz="3600" dirty="0">
+                <a:ln w="0"/>
+                <a:solidFill>
+                  <a:schemeClr val="accent1"/>
+                </a:solidFill>
                 <a:effectLst>
-                  <a:reflection blurRad="6350" stA="55000" endA="300" endPos="45500" dir="5400000" sy="-100000" algn="bl" rotWithShape="0"/>
+                  <a:outerShdw blurRad="38100" dist="25400" dir="5400000" algn="ctr" rotWithShape="0">
+                    <a:srgbClr val="6E747A">
+                      <a:alpha val="43000"/>
+                    </a:srgbClr>
+                  </a:outerShdw>
                 </a:effectLst>
               </a:rPr>
               <a:t> Basics</a:t>
@@ -10283,7 +11262,12 @@
             <p:ph sz="quarter" idx="1"/>
           </p:nvPr>
         </p:nvSpPr>
-        <p:spPr/>
+        <p:spPr>
+          <a:xfrm>
+            <a:off x="533400" y="990600"/>
+            <a:ext cx="7467600" cy="4873752"/>
+          </a:xfrm>
+        </p:spPr>
         <p:txBody>
           <a:bodyPr>
             <a:normAutofit/>
@@ -11558,7 +12542,12 @@
             <p:ph type="ctrTitle"/>
           </p:nvPr>
         </p:nvSpPr>
-        <p:spPr/>
+        <p:spPr>
+          <a:xfrm>
+            <a:off x="2658755" y="1905000"/>
+            <a:ext cx="3429000" cy="1503837"/>
+          </a:xfrm>
+        </p:spPr>
         <p:txBody>
           <a:bodyPr/>
           <a:lstStyle/>
@@ -11598,6 +12587,47 @@
           </a:p>
         </p:txBody>
       </p:sp>
+      <p:pic>
+        <p:nvPicPr>
+          <p:cNvPr id="2050" name="Picture 2" descr="Python Pandas. What is Pandas? | by Tathe Nitin | Medium"/>
+          <p:cNvPicPr>
+            <a:picLocks noChangeAspect="1" noChangeArrowheads="1"/>
+          </p:cNvPicPr>
+          <p:nvPr/>
+        </p:nvPicPr>
+        <p:blipFill>
+          <a:blip r:embed="rId2">
+            <a:extLst>
+              <a:ext uri="{28A0092B-C50C-407E-A947-70E740481C1C}">
+                <a14:useLocalDpi xmlns:a14="http://schemas.microsoft.com/office/drawing/2010/main" val="0"/>
+              </a:ext>
+            </a:extLst>
+          </a:blip>
+          <a:srcRect/>
+          <a:stretch>
+            <a:fillRect/>
+          </a:stretch>
+        </p:blipFill>
+        <p:spPr bwMode="auto">
+          <a:xfrm>
+            <a:off x="685800" y="3029417"/>
+            <a:ext cx="7374910" cy="3081823"/>
+          </a:xfrm>
+          <a:prstGeom prst="rect">
+            <a:avLst/>
+          </a:prstGeom>
+          <a:noFill/>
+          <a:extLst>
+            <a:ext uri="{909E8E84-426E-40DD-AFC4-6F175D3DCCD1}">
+              <a14:hiddenFill xmlns:a14="http://schemas.microsoft.com/office/drawing/2010/main">
+                <a:solidFill>
+                  <a:srgbClr val="FFFFFF"/>
+                </a:solidFill>
+              </a14:hiddenFill>
+            </a:ext>
+          </a:extLst>
+        </p:spPr>
+      </p:pic>
     </p:spTree>
   </p:cSld>
   <p:clrMapOvr>
@@ -11669,11 +12699,17 @@
             <p:ph sz="quarter" idx="1"/>
           </p:nvPr>
         </p:nvSpPr>
-        <p:spPr/>
+        <p:spPr>
+          <a:xfrm>
+            <a:off x="457200" y="1600200"/>
+            <a:ext cx="8001000" cy="4873752"/>
+          </a:xfrm>
+        </p:spPr>
         <p:txBody>
           <a:bodyPr/>
           <a:lstStyle/>
           <a:p>
+            <a:pPr algn="just"/>
             <a:r>
               <a:rPr lang="en-US" dirty="0" err="1"/>
               <a:t>NumPy</a:t>
@@ -11684,6 +12720,7 @@
             </a:r>
           </a:p>
           <a:p>
+            <a:pPr algn="just"/>
             <a:r>
               <a:rPr lang="en-US" dirty="0" err="1"/>
               <a:t>NumPy</a:t>
@@ -11694,6 +12731,7 @@
             </a:r>
           </a:p>
           <a:p>
+            <a:pPr algn="just"/>
             <a:r>
               <a:rPr lang="en-US" dirty="0" err="1"/>
               <a:t>NumPy</a:t>
@@ -11704,6 +12742,7 @@
             </a:r>
           </a:p>
           <a:p>
+            <a:pPr algn="just"/>
             <a:r>
               <a:rPr lang="en-US" dirty="0"/>
               <a:t>The most important object defined in </a:t>
@@ -15835,6 +16874,10 @@
           <a:bodyPr/>
           <a:lstStyle/>
           <a:p>
+            <a:r>
+              <a:rPr lang="en-IN" dirty="0" smtClean="0"/>
+              <a:t> </a:t>
+            </a:r>
             <a:endParaRPr lang="en-IN" dirty="0"/>
           </a:p>
         </p:txBody>
@@ -16894,7 +17937,11 @@
           <a:bodyPr/>
           <a:lstStyle/>
           <a:p>
-            <a:endParaRPr lang="en-IN"/>
+            <a:r>
+              <a:rPr lang="en-IN" dirty="0" smtClean="0"/>
+              <a:t> </a:t>
+            </a:r>
+            <a:endParaRPr lang="en-IN" dirty="0"/>
           </a:p>
         </p:txBody>
       </p:sp>
@@ -16928,6 +17975,47 @@
           </a:p>
         </p:txBody>
       </p:sp>
+      <p:pic>
+        <p:nvPicPr>
+          <p:cNvPr id="3076" name="Picture 4" descr="Matplotlib Tutorial - javatpoint"/>
+          <p:cNvPicPr>
+            <a:picLocks noChangeAspect="1" noChangeArrowheads="1"/>
+          </p:cNvPicPr>
+          <p:nvPr/>
+        </p:nvPicPr>
+        <p:blipFill>
+          <a:blip r:embed="rId2">
+            <a:extLst>
+              <a:ext uri="{28A0092B-C50C-407E-A947-70E740481C1C}">
+                <a14:useLocalDpi xmlns:a14="http://schemas.microsoft.com/office/drawing/2010/main" val="0"/>
+              </a:ext>
+            </a:extLst>
+          </a:blip>
+          <a:srcRect/>
+          <a:stretch>
+            <a:fillRect/>
+          </a:stretch>
+        </p:blipFill>
+        <p:spPr bwMode="auto">
+          <a:xfrm>
+            <a:off x="2590800" y="30480"/>
+            <a:ext cx="3883025" cy="3883025"/>
+          </a:xfrm>
+          <a:prstGeom prst="rect">
+            <a:avLst/>
+          </a:prstGeom>
+          <a:noFill/>
+          <a:extLst>
+            <a:ext uri="{909E8E84-426E-40DD-AFC4-6F175D3DCCD1}">
+              <a14:hiddenFill xmlns:a14="http://schemas.microsoft.com/office/drawing/2010/main">
+                <a:solidFill>
+                  <a:srgbClr val="FFFFFF"/>
+                </a:solidFill>
+              </a14:hiddenFill>
+            </a:ext>
+          </a:extLst>
+        </p:spPr>
+      </p:pic>
     </p:spTree>
     <p:extLst>
       <p:ext uri="{BB962C8B-B14F-4D97-AF65-F5344CB8AC3E}">
@@ -16989,7 +18077,11 @@
           <a:bodyPr/>
           <a:lstStyle/>
           <a:p>
-            <a:endParaRPr lang="en-IN"/>
+            <a:r>
+              <a:rPr lang="en-IN" dirty="0" smtClean="0"/>
+              <a:t> </a:t>
+            </a:r>
+            <a:endParaRPr lang="en-IN" dirty="0"/>
           </a:p>
         </p:txBody>
       </p:sp>
@@ -31158,7 +32250,351 @@
 </file>
 
 <file path=ppt/slides/slide65.xml><?xml version="1.0" encoding="utf-8"?>
-<p:sld xmlns:a="http://schemas.openxmlformats.org/drawingml/2006/main" xmlns:r="http://schemas.openxmlformats.org/officeDocument/2006/relationships" xmlns:p="http://schemas.openxmlformats.org/presentationml/2006/main" showMasterSp="0">
+<p:sld xmlns:a="http://schemas.openxmlformats.org/drawingml/2006/main" xmlns:r="http://schemas.openxmlformats.org/officeDocument/2006/relationships" xmlns:p="http://schemas.openxmlformats.org/presentationml/2006/main">
+  <p:cSld>
+    <p:spTree>
+      <p:nvGrpSpPr>
+        <p:cNvPr id="1" name="Shape 228"/>
+        <p:cNvGrpSpPr/>
+        <p:nvPr/>
+      </p:nvGrpSpPr>
+      <p:grpSpPr>
+        <a:xfrm>
+          <a:off x="0" y="0"/>
+          <a:ext cx="0" cy="0"/>
+          <a:chOff x="0" y="0"/>
+          <a:chExt cx="0" cy="0"/>
+        </a:xfrm>
+      </p:grpSpPr>
+      <p:sp>
+        <p:nvSpPr>
+          <p:cNvPr id="229" name="Google Shape;229;p26"/>
+          <p:cNvSpPr txBox="1">
+            <a:spLocks noGrp="1"/>
+          </p:cNvSpPr>
+          <p:nvPr>
+            <p:ph type="title"/>
+          </p:nvPr>
+        </p:nvSpPr>
+        <p:spPr>
+          <a:xfrm>
+            <a:off x="869819" y="380999"/>
+            <a:ext cx="7467600" cy="1089507"/>
+          </a:xfrm>
+          <a:prstGeom prst="rect">
+            <a:avLst/>
+          </a:prstGeom>
+        </p:spPr>
+        <p:txBody>
+          <a:bodyPr spcFirstLastPara="1" vert="horz" wrap="square" lIns="91425" tIns="91425" rIns="91425" bIns="91425" anchor="ctr" anchorCtr="0">
+            <a:noAutofit/>
+          </a:bodyPr>
+          <a:lstStyle/>
+          <a:p>
+            <a:pPr lvl="0" algn="ctr"/>
+            <a:r>
+              <a:rPr lang="en-US" sz="2400" dirty="0" smtClean="0">
+                <a:solidFill>
+                  <a:srgbClr val="2C363A"/>
+                </a:solidFill>
+              </a:rPr>
+              <a:t>Assignment</a:t>
+            </a:r>
+            <a:endParaRPr sz="2400" dirty="0">
+              <a:solidFill>
+                <a:schemeClr val="accent2"/>
+              </a:solidFill>
+            </a:endParaRPr>
+          </a:p>
+        </p:txBody>
+      </p:sp>
+      <p:sp>
+        <p:nvSpPr>
+          <p:cNvPr id="230" name="Google Shape;230;p26"/>
+          <p:cNvSpPr txBox="1">
+            <a:spLocks noGrp="1"/>
+          </p:cNvSpPr>
+          <p:nvPr>
+            <p:ph type="sldNum" sz="quarter" idx="15"/>
+          </p:nvPr>
+        </p:nvSpPr>
+        <p:spPr>
+          <a:prstGeom prst="rect">
+            <a:avLst/>
+          </a:prstGeom>
+        </p:spPr>
+        <p:txBody>
+          <a:bodyPr spcFirstLastPara="1" vert="horz" wrap="square" lIns="91425" tIns="91425" rIns="91425" bIns="91425" anchor="t" anchorCtr="0">
+            <a:noAutofit/>
+          </a:bodyPr>
+          <a:lstStyle/>
+          <a:p>
+            <a:pPr algn="r"/>
+            <a:fld id="{00000000-1234-1234-1234-123412341234}" type="slidenum">
+              <a:rPr lang="en"/>
+              <a:pPr algn="r"/>
+              <a:t>65</a:t>
+            </a:fld>
+            <a:endParaRPr/>
+          </a:p>
+        </p:txBody>
+      </p:sp>
+      <p:sp>
+        <p:nvSpPr>
+          <p:cNvPr id="2" name="Rectangle 1"/>
+          <p:cNvSpPr/>
+          <p:nvPr/>
+        </p:nvSpPr>
+        <p:spPr>
+          <a:xfrm>
+            <a:off x="304800" y="1263028"/>
+            <a:ext cx="8433816" cy="1569660"/>
+          </a:xfrm>
+          <a:prstGeom prst="rect">
+            <a:avLst/>
+          </a:prstGeom>
+        </p:spPr>
+        <p:txBody>
+          <a:bodyPr wrap="square">
+            <a:spAutoFit/>
+          </a:bodyPr>
+          <a:lstStyle/>
+          <a:p>
+            <a:pPr marL="285750" indent="-285750">
+              <a:buFont typeface="Arial" panose="020B0604020202020204" pitchFamily="34" charset="0"/>
+              <a:buChar char="•"/>
+            </a:pPr>
+            <a:r>
+              <a:rPr lang="en-US" dirty="0"/>
+              <a:t>In this assignment you'll train several models and evaluate how effectively they predict instances of fraud</a:t>
+            </a:r>
+            <a:r>
+              <a:rPr lang="en-US" dirty="0" smtClean="0"/>
+              <a:t>.</a:t>
+            </a:r>
+          </a:p>
+          <a:p>
+            <a:pPr marL="342900" indent="-342900">
+              <a:buFont typeface="Arial" panose="020B0604020202020204" pitchFamily="34" charset="0"/>
+              <a:buChar char="•"/>
+            </a:pPr>
+            <a:endParaRPr lang="en-US" sz="2000" b="1" dirty="0" smtClean="0">
+              <a:solidFill>
+                <a:schemeClr val="accent2"/>
+              </a:solidFill>
+            </a:endParaRPr>
+          </a:p>
+          <a:p>
+            <a:r>
+              <a:rPr lang="en-US" sz="2000" b="1" dirty="0" smtClean="0">
+                <a:solidFill>
+                  <a:schemeClr val="accent2"/>
+                </a:solidFill>
+              </a:rPr>
+              <a:t>Ref: https</a:t>
+            </a:r>
+            <a:r>
+              <a:rPr lang="en-US" sz="2000" b="1" dirty="0">
+                <a:solidFill>
+                  <a:schemeClr val="accent2"/>
+                </a:solidFill>
+              </a:rPr>
+              <a:t>://github.com/amirkeren/applied-machine-learning-in-python/blob/master/Assignment%2B3.ipynb</a:t>
+            </a:r>
+            <a:endParaRPr lang="en-US" sz="2400" b="1" dirty="0">
+              <a:solidFill>
+                <a:schemeClr val="accent2"/>
+              </a:solidFill>
+            </a:endParaRPr>
+          </a:p>
+        </p:txBody>
+      </p:sp>
+    </p:spTree>
+    <p:extLst>
+      <p:ext uri="{BB962C8B-B14F-4D97-AF65-F5344CB8AC3E}">
+        <p14:creationId xmlns:p14="http://schemas.microsoft.com/office/powerpoint/2010/main" val="160138387"/>
+      </p:ext>
+    </p:extLst>
+  </p:cSld>
+  <p:clrMapOvr>
+    <a:masterClrMapping/>
+  </p:clrMapOvr>
+  <p:transition>
+    <p:wipe dir="d"/>
+  </p:transition>
+  <p:timing>
+    <p:tnLst>
+      <p:par>
+        <p:cTn id="1" dur="indefinite" restart="never" nodeType="tmRoot"/>
+      </p:par>
+    </p:tnLst>
+  </p:timing>
+</p:sld>
+</file>
+
+<file path=ppt/slides/slide66.xml><?xml version="1.0" encoding="utf-8"?>
+<p:sld xmlns:a="http://schemas.openxmlformats.org/drawingml/2006/main" xmlns:r="http://schemas.openxmlformats.org/officeDocument/2006/relationships" xmlns:p="http://schemas.openxmlformats.org/presentationml/2006/main">
+  <p:cSld>
+    <p:spTree>
+      <p:nvGrpSpPr>
+        <p:cNvPr id="1" name="Shape 228"/>
+        <p:cNvGrpSpPr/>
+        <p:nvPr/>
+      </p:nvGrpSpPr>
+      <p:grpSpPr>
+        <a:xfrm>
+          <a:off x="0" y="0"/>
+          <a:ext cx="0" cy="0"/>
+          <a:chOff x="0" y="0"/>
+          <a:chExt cx="0" cy="0"/>
+        </a:xfrm>
+      </p:grpSpPr>
+      <p:sp>
+        <p:nvSpPr>
+          <p:cNvPr id="229" name="Google Shape;229;p26"/>
+          <p:cNvSpPr txBox="1">
+            <a:spLocks noGrp="1"/>
+          </p:cNvSpPr>
+          <p:nvPr>
+            <p:ph type="title"/>
+          </p:nvPr>
+        </p:nvSpPr>
+        <p:spPr>
+          <a:xfrm>
+            <a:off x="869819" y="380999"/>
+            <a:ext cx="7467600" cy="1089507"/>
+          </a:xfrm>
+          <a:prstGeom prst="rect">
+            <a:avLst/>
+          </a:prstGeom>
+        </p:spPr>
+        <p:txBody>
+          <a:bodyPr spcFirstLastPara="1" vert="horz" wrap="square" lIns="91425" tIns="91425" rIns="91425" bIns="91425" anchor="ctr" anchorCtr="0">
+            <a:noAutofit/>
+          </a:bodyPr>
+          <a:lstStyle/>
+          <a:p>
+            <a:pPr lvl="0" algn="ctr"/>
+            <a:r>
+              <a:rPr lang="en-US" sz="2400" dirty="0">
+                <a:solidFill>
+                  <a:srgbClr val="2C363A"/>
+                </a:solidFill>
+              </a:rPr>
+              <a:t>Code for the presentation can be found here</a:t>
+            </a:r>
+            <a:endParaRPr sz="2400" dirty="0">
+              <a:solidFill>
+                <a:schemeClr val="accent2"/>
+              </a:solidFill>
+            </a:endParaRPr>
+          </a:p>
+        </p:txBody>
+      </p:sp>
+      <p:sp>
+        <p:nvSpPr>
+          <p:cNvPr id="230" name="Google Shape;230;p26"/>
+          <p:cNvSpPr txBox="1">
+            <a:spLocks noGrp="1"/>
+          </p:cNvSpPr>
+          <p:nvPr>
+            <p:ph type="sldNum" sz="quarter" idx="15"/>
+          </p:nvPr>
+        </p:nvSpPr>
+        <p:spPr>
+          <a:prstGeom prst="rect">
+            <a:avLst/>
+          </a:prstGeom>
+        </p:spPr>
+        <p:txBody>
+          <a:bodyPr spcFirstLastPara="1" vert="horz" wrap="square" lIns="91425" tIns="91425" rIns="91425" bIns="91425" anchor="t" anchorCtr="0">
+            <a:noAutofit/>
+          </a:bodyPr>
+          <a:lstStyle/>
+          <a:p>
+            <a:pPr algn="r"/>
+            <a:fld id="{00000000-1234-1234-1234-123412341234}" type="slidenum">
+              <a:rPr lang="en"/>
+              <a:pPr algn="r"/>
+              <a:t>66</a:t>
+            </a:fld>
+            <a:endParaRPr/>
+          </a:p>
+        </p:txBody>
+      </p:sp>
+      <p:sp>
+        <p:nvSpPr>
+          <p:cNvPr id="2" name="Rectangle 1"/>
+          <p:cNvSpPr/>
+          <p:nvPr/>
+        </p:nvSpPr>
+        <p:spPr>
+          <a:xfrm>
+            <a:off x="228600" y="2667000"/>
+            <a:ext cx="8685391" cy="1138773"/>
+          </a:xfrm>
+          <a:prstGeom prst="rect">
+            <a:avLst/>
+          </a:prstGeom>
+        </p:spPr>
+        <p:txBody>
+          <a:bodyPr wrap="none">
+            <a:spAutoFit/>
+          </a:bodyPr>
+          <a:lstStyle/>
+          <a:p>
+            <a:pPr algn="ctr"/>
+            <a:r>
+              <a:rPr lang="en-US" sz="2000" b="1" dirty="0"/>
+              <a:t>Refer Readme.md of </a:t>
+            </a:r>
+            <a:r>
+              <a:rPr lang="en-US" sz="2000" b="1" dirty="0" err="1"/>
+              <a:t>github</a:t>
+            </a:r>
+            <a:r>
+              <a:rPr lang="en-US" sz="2000" b="1" dirty="0"/>
+              <a:t> repository for list of assignments:</a:t>
+            </a:r>
+          </a:p>
+          <a:p>
+            <a:pPr algn="ctr"/>
+            <a:endParaRPr lang="en-US" sz="2400" b="1" dirty="0"/>
+          </a:p>
+          <a:p>
+            <a:pPr algn="ctr"/>
+            <a:r>
+              <a:rPr lang="en-US" sz="2400" b="1" dirty="0"/>
+              <a:t>https://github.com/tahirmirji/ai_with_python_keonics</a:t>
+            </a:r>
+          </a:p>
+        </p:txBody>
+      </p:sp>
+    </p:spTree>
+    <p:extLst>
+      <p:ext uri="{BB962C8B-B14F-4D97-AF65-F5344CB8AC3E}">
+        <p14:creationId xmlns:p14="http://schemas.microsoft.com/office/powerpoint/2010/main" val="2407997134"/>
+      </p:ext>
+    </p:extLst>
+  </p:cSld>
+  <p:clrMapOvr>
+    <a:masterClrMapping/>
+  </p:clrMapOvr>
+  <p:transition>
+    <p:wipe dir="d"/>
+  </p:transition>
+  <p:timing>
+    <p:tnLst>
+      <p:par>
+        <p:cTn id="1" dur="indefinite" restart="never" nodeType="tmRoot"/>
+      </p:par>
+    </p:tnLst>
+  </p:timing>
+</p:sld>
+</file>
+
+<file path=ppt/slides/slide67.xml><?xml version="1.0" encoding="utf-8"?>
+<p:sld xmlns:a="http://schemas.openxmlformats.org/drawingml/2006/main" xmlns:r="http://schemas.openxmlformats.org/officeDocument/2006/relationships" xmlns:p="http://schemas.openxmlformats.org/presentationml/2006/main">
   <p:cSld>
     <p:spTree>
       <p:nvGrpSpPr>
@@ -31176,63 +32612,7 @@
       </p:grpSpPr>
       <p:sp>
         <p:nvSpPr>
-          <p:cNvPr id="2" name="Title 1">
-            <a:extLst>
-              <a:ext uri="{FF2B5EF4-FFF2-40B4-BE49-F238E27FC236}">
-                <a16:creationId xmlns:a16="http://schemas.microsoft.com/office/drawing/2014/main" id="{9202B3BF-25A8-188B-1EA1-1DA54C86CE00}"/>
-              </a:ext>
-            </a:extLst>
-          </p:cNvPr>
-          <p:cNvSpPr>
-            <a:spLocks noGrp="1"/>
-          </p:cNvSpPr>
-          <p:nvPr>
-            <p:ph type="title"/>
-          </p:nvPr>
-        </p:nvSpPr>
-        <p:spPr/>
-        <p:txBody>
-          <a:bodyPr/>
-          <a:lstStyle/>
-          <a:p>
-            <a:endParaRPr lang="en-IN"/>
-          </a:p>
-        </p:txBody>
-      </p:sp>
-      <p:sp>
-        <p:nvSpPr>
-          <p:cNvPr id="3" name="Content Placeholder 2">
-            <a:extLst>
-              <a:ext uri="{FF2B5EF4-FFF2-40B4-BE49-F238E27FC236}">
-                <a16:creationId xmlns:a16="http://schemas.microsoft.com/office/drawing/2014/main" id="{52028428-AC5A-5184-AF09-C795A81E940F}"/>
-              </a:ext>
-            </a:extLst>
-          </p:cNvPr>
-          <p:cNvSpPr>
-            <a:spLocks noGrp="1"/>
-          </p:cNvSpPr>
-          <p:nvPr>
-            <p:ph sz="quarter" idx="1"/>
-          </p:nvPr>
-        </p:nvSpPr>
-        <p:spPr/>
-        <p:txBody>
-          <a:bodyPr/>
-          <a:lstStyle/>
-          <a:p>
-            <a:endParaRPr lang="en-IN"/>
-          </a:p>
-        </p:txBody>
-      </p:sp>
-      <p:sp>
-        <p:nvSpPr>
-          <p:cNvPr id="4" name="Slide Number Placeholder 3">
-            <a:extLst>
-              <a:ext uri="{FF2B5EF4-FFF2-40B4-BE49-F238E27FC236}">
-                <a16:creationId xmlns:a16="http://schemas.microsoft.com/office/drawing/2014/main" id="{D732F2BA-A399-234E-B19E-E9F2987FCB8C}"/>
-              </a:ext>
-            </a:extLst>
-          </p:cNvPr>
+          <p:cNvPr id="5" name="Slide Number Placeholder 4"/>
           <p:cNvSpPr>
             <a:spLocks noGrp="1"/>
           </p:cNvSpPr>
@@ -31245,19 +32625,66 @@
           <a:bodyPr/>
           <a:lstStyle/>
           <a:p>
-            <a:fld id="{0F5D03FE-C334-457E-BDA6-EF5BC71515B8}" type="slidenum">
-              <a:rPr lang="en-US" smtClean="0"/>
-              <a:pPr/>
-              <a:t>65</a:t>
+            <a:pPr algn="r"/>
+            <a:fld id="{00000000-1234-1234-1234-123412341234}" type="slidenum">
+              <a:rPr lang="en" smtClean="0"/>
+              <a:pPr algn="r"/>
+              <a:t>67</a:t>
             </a:fld>
-            <a:endParaRPr lang="en-US"/>
+            <a:endParaRPr lang="en"/>
+          </a:p>
+        </p:txBody>
+      </p:sp>
+      <p:sp>
+        <p:nvSpPr>
+          <p:cNvPr id="6" name="Oval 5"/>
+          <p:cNvSpPr/>
+          <p:nvPr/>
+        </p:nvSpPr>
+        <p:spPr>
+          <a:xfrm>
+            <a:off x="837283" y="-299444"/>
+            <a:ext cx="7590621" cy="7590621"/>
+          </a:xfrm>
+          <a:prstGeom prst="ellipse">
+            <a:avLst/>
+          </a:prstGeom>
+          <a:ln>
+            <a:noFill/>
+          </a:ln>
+        </p:spPr>
+        <p:style>
+          <a:lnRef idx="2">
+            <a:schemeClr val="accent1">
+              <a:shade val="50000"/>
+            </a:schemeClr>
+          </a:lnRef>
+          <a:fillRef idx="1">
+            <a:schemeClr val="accent1"/>
+          </a:fillRef>
+          <a:effectRef idx="0">
+            <a:schemeClr val="accent1"/>
+          </a:effectRef>
+          <a:fontRef idx="minor">
+            <a:schemeClr val="lt1"/>
+          </a:fontRef>
+        </p:style>
+        <p:txBody>
+          <a:bodyPr rtlCol="0" anchor="ctr"/>
+          <a:lstStyle/>
+          <a:p>
+            <a:pPr algn="ctr"/>
+            <a:r>
+              <a:rPr lang="en-US" sz="8000" dirty="0"/>
+              <a:t>Thank You</a:t>
+            </a:r>
           </a:p>
         </p:txBody>
       </p:sp>
     </p:spTree>
     <p:extLst>
       <p:ext uri="{BB962C8B-B14F-4D97-AF65-F5344CB8AC3E}">
-        <p14:creationId xmlns:p14="http://schemas.microsoft.com/office/powerpoint/2010/main" val="872860864"/>
+        <p14:creationId xmlns:p14="http://schemas.microsoft.com/office/powerpoint/2010/main" val="1316773092"/>
       </p:ext>
     </p:extLst>
   </p:cSld>
